--- a/Surrogate Variable Analysis/notes/angle_analysis_of_modified_SVA.pptx
+++ b/Surrogate Variable Analysis/notes/angle_analysis_of_modified_SVA.pptx
@@ -3272,6 +3272,13 @@
   <p:clrMapOvr>
     <a:masterClrMapping/>
   </p:clrMapOvr>
+  <p:timing>
+    <p:tnLst>
+      <p:par>
+        <p:cTn xmlns:p14="http://schemas.microsoft.com/office/powerpoint/2010/main" id="1" dur="indefinite" restart="never" nodeType="tmRoot"/>
+      </p:par>
+    </p:tnLst>
+  </p:timing>
 </p:sld>
 </file>
 
@@ -3309,11 +3316,7 @@
           <a:p>
             <a:r>
               <a:rPr lang="en-US" dirty="0" smtClean="0"/>
-              <a:t>Simulation</a:t>
-            </a:r>
-            <a:r>
-              <a:rPr lang="en-US" dirty="0" smtClean="0"/>
-              <a:t> Settings</a:t>
+              <a:t>Simulation Settings</a:t>
             </a:r>
             <a:endParaRPr lang="en-US" dirty="0"/>
           </a:p>
@@ -3516,11 +3519,7 @@
             </a:r>
             <a:r>
               <a:rPr lang="en-US" altLang="zh-CN" dirty="0" smtClean="0"/>
-              <a:t>label</a:t>
-            </a:r>
-            <a:r>
-              <a:rPr lang="en-US" altLang="zh-CN" dirty="0" smtClean="0"/>
-              <a:t> Vector: cv = (1</a:t>
+              <a:t>label Vector: cv = (1</a:t>
             </a:r>
             <a:r>
               <a:rPr lang="en-US" altLang="zh-CN" baseline="-25000" dirty="0" smtClean="0"/>
@@ -3680,11 +3679,7 @@
             </a:r>
             <a:r>
               <a:rPr lang="en-US" altLang="zh-CN" dirty="0" smtClean="0"/>
-              <a:t>2</a:t>
-            </a:r>
-            <a:r>
-              <a:rPr lang="en-US" altLang="zh-CN" dirty="0" smtClean="0"/>
-              <a:t>;</a:t>
+              <a:t>2;</a:t>
             </a:r>
             <a:r>
               <a:rPr lang="zh-CN" altLang="en-US" dirty="0" smtClean="0"/>
@@ -4024,6 +4019,13 @@
   <p:clrMapOvr>
     <a:masterClrMapping/>
   </p:clrMapOvr>
+  <p:timing>
+    <p:tnLst>
+      <p:par>
+        <p:cTn xmlns:p14="http://schemas.microsoft.com/office/powerpoint/2010/main" id="1" dur="indefinite" restart="never" nodeType="tmRoot"/>
+      </p:par>
+    </p:tnLst>
+  </p:timing>
 </p:sld>
 </file>
 
@@ -4381,11 +4383,7 @@
             <a:pPr lvl="2"/>
             <a:r>
               <a:rPr lang="en-US" altLang="zh-CN" dirty="0" smtClean="0"/>
-              <a:t>Extreme</a:t>
-            </a:r>
-            <a:r>
-              <a:rPr lang="en-US" altLang="zh-CN" dirty="0" smtClean="0"/>
-              <a:t> Case: </a:t>
+              <a:t>Extreme Case: </a:t>
             </a:r>
             <a:r>
               <a:rPr lang="el-GR" dirty="0" smtClean="0"/>
@@ -4531,11 +4529,6 @@
               </a:rPr>
               <a:t>effects</a:t>
             </a:r>
-            <a:endParaRPr lang="en-US" altLang="zh-CN" dirty="0" smtClean="0">
-              <a:solidFill>
-                <a:srgbClr val="FF0000"/>
-              </a:solidFill>
-            </a:endParaRPr>
           </a:p>
           <a:p>
             <a:pPr lvl="1"/>
@@ -4775,11 +4768,7 @@
             </a:r>
             <a:r>
               <a:rPr lang="en-US" altLang="zh-CN" baseline="-25000" dirty="0" smtClean="0"/>
-              <a:t>1</a:t>
-            </a:r>
-            <a:r>
-              <a:rPr lang="en-US" altLang="zh-CN" baseline="-25000" dirty="0" smtClean="0"/>
-              <a:t> </a:t>
+              <a:t>1 </a:t>
             </a:r>
             <a:r>
               <a:rPr lang="zh-CN" altLang="en-US" dirty="0" smtClean="0"/>
@@ -4819,11 +4808,7 @@
             </a:r>
             <a:r>
               <a:rPr lang="en-US" altLang="zh-CN" dirty="0" smtClean="0"/>
-              <a:t> </a:t>
-            </a:r>
-            <a:r>
-              <a:rPr lang="en-US" altLang="zh-CN" dirty="0" smtClean="0"/>
-              <a:t>0</a:t>
+              <a:t> 0</a:t>
             </a:r>
             <a:r>
               <a:rPr lang="zh-CN" altLang="en-US" dirty="0" smtClean="0"/>
@@ -4979,11 +4964,7 @@
             </a:r>
             <a:r>
               <a:rPr lang="en-US" altLang="zh-CN" dirty="0" smtClean="0"/>
-              <a:t> </a:t>
-            </a:r>
-            <a:r>
-              <a:rPr lang="en-US" altLang="zh-CN" dirty="0" smtClean="0"/>
-              <a:t>0</a:t>
+              <a:t> 0</a:t>
             </a:r>
             <a:r>
               <a:rPr lang="zh-CN" altLang="en-US" dirty="0" smtClean="0"/>
@@ -5015,11 +4996,7 @@
             </a:r>
             <a:r>
               <a:rPr lang="en-US" altLang="zh-CN" dirty="0" smtClean="0"/>
-              <a:t> </a:t>
-            </a:r>
-            <a:r>
-              <a:rPr lang="en-US" altLang="zh-CN" dirty="0" smtClean="0"/>
-              <a:t>1</a:t>
+              <a:t> 1</a:t>
             </a:r>
             <a:r>
               <a:rPr lang="zh-CN" altLang="en-US" dirty="0" smtClean="0"/>
@@ -5352,6 +5329,13 @@
   <p:clrMapOvr>
     <a:masterClrMapping/>
   </p:clrMapOvr>
+  <p:timing>
+    <p:tnLst>
+      <p:par>
+        <p:cTn xmlns:p14="http://schemas.microsoft.com/office/powerpoint/2010/main" id="1" dur="indefinite" restart="never" nodeType="tmRoot"/>
+      </p:par>
+    </p:tnLst>
+  </p:timing>
 </p:sld>
 </file>
 
@@ -5391,11 +5375,7 @@
           <a:p>
             <a:r>
               <a:rPr lang="en-US" sz="3200" dirty="0" smtClean="0"/>
-              <a:t>Angles</a:t>
-            </a:r>
-            <a:r>
-              <a:rPr lang="en-US" sz="3200" dirty="0" smtClean="0"/>
-              <a:t> between Surrogate Variable</a:t>
+              <a:t>Angles between Surrogate Variable</a:t>
             </a:r>
             <a:r>
               <a:rPr lang="zh-CN" altLang="en-US" sz="3200" dirty="0" smtClean="0"/>
@@ -5467,6 +5447,13 @@
   <p:clrMapOvr>
     <a:masterClrMapping/>
   </p:clrMapOvr>
+  <p:timing>
+    <p:tnLst>
+      <p:par>
+        <p:cTn xmlns:p14="http://schemas.microsoft.com/office/powerpoint/2010/main" id="1" dur="indefinite" restart="never" nodeType="tmRoot"/>
+      </p:par>
+    </p:tnLst>
+  </p:timing>
 </p:sld>
 </file>
 
@@ -5575,6 +5562,13 @@
   <p:clrMapOvr>
     <a:masterClrMapping/>
   </p:clrMapOvr>
+  <p:timing>
+    <p:tnLst>
+      <p:par>
+        <p:cTn xmlns:p14="http://schemas.microsoft.com/office/powerpoint/2010/main" id="1" dur="indefinite" restart="never" nodeType="tmRoot"/>
+      </p:par>
+    </p:tnLst>
+  </p:timing>
 </p:sld>
 </file>
 
@@ -5687,6 +5681,13 @@
   <p:clrMapOvr>
     <a:masterClrMapping/>
   </p:clrMapOvr>
+  <p:timing>
+    <p:tnLst>
+      <p:par>
+        <p:cTn xmlns:p14="http://schemas.microsoft.com/office/powerpoint/2010/main" id="1" dur="indefinite" restart="never" nodeType="tmRoot"/>
+      </p:par>
+    </p:tnLst>
+  </p:timing>
 </p:sld>
 </file>
 
@@ -5794,15 +5795,7 @@
                   <a:prstClr val="black"/>
                 </a:solidFill>
               </a:rPr>
-              <a:t>PC</a:t>
-            </a:r>
-            <a:r>
-              <a:rPr lang="en-US" sz="3200" dirty="0" smtClean="0">
-                <a:solidFill>
-                  <a:prstClr val="black"/>
-                </a:solidFill>
-              </a:rPr>
-              <a:t>1 From Residual Matrix</a:t>
+              <a:t>PC1 From Residual Matrix</a:t>
             </a:r>
             <a:endParaRPr lang="en-US" dirty="0"/>
           </a:p>
@@ -5843,6 +5836,13 @@
   <p:clrMapOvr>
     <a:masterClrMapping/>
   </p:clrMapOvr>
+  <p:timing>
+    <p:tnLst>
+      <p:par>
+        <p:cTn xmlns:p14="http://schemas.microsoft.com/office/powerpoint/2010/main" id="1" dur="indefinite" restart="never" nodeType="tmRoot"/>
+      </p:par>
+    </p:tnLst>
+  </p:timing>
 </p:sld>
 </file>
 
@@ -5991,6 +5991,13 @@
   <p:clrMapOvr>
     <a:masterClrMapping/>
   </p:clrMapOvr>
+  <p:timing>
+    <p:tnLst>
+      <p:par>
+        <p:cTn xmlns:p14="http://schemas.microsoft.com/office/powerpoint/2010/main" id="1" dur="indefinite" restart="never" nodeType="tmRoot"/>
+      </p:par>
+    </p:tnLst>
+  </p:timing>
 </p:sld>
 </file>
 
